--- a/Part6/Final_presentation.pptx
+++ b/Part6/Final_presentation.pptx
@@ -9155,23 +9155,23 @@
     </dgm:pt>
   </dgm:ptLst>
   <dgm:cxnLst>
+    <dgm:cxn modelId="{6E8A2461-093A-438B-B752-EB4F414855A9}" srcId="{E721CFF6-F5DA-4C84-96E8-E6869F5D9A72}" destId="{2763F3B8-D354-4513-A2A5-1ACC91F2D733}" srcOrd="3" destOrd="0" parTransId="{B3350334-656E-4F4E-B301-603334E19C52}" sibTransId="{66B70017-53FF-40EC-9C94-E10D7F063EEF}"/>
+    <dgm:cxn modelId="{BC9C0B93-D0D0-49EE-A5E6-1494291AB6AE}" srcId="{E721CFF6-F5DA-4C84-96E8-E6869F5D9A72}" destId="{93C4C77B-D590-4C38-9342-DB9089CDF074}" srcOrd="0" destOrd="0" parTransId="{87F3107C-78CE-4266-B957-A03DD37ED2EC}" sibTransId="{22B8F299-92FD-4E99-9C1D-6B04907D01DE}"/>
+    <dgm:cxn modelId="{49BB62EA-B427-4A8F-8583-0854F3481C94}" type="presOf" srcId="{828B2E6E-F803-4A64-BF50-2E9FDB4E1DEA}" destId="{B8BF9229-CCB5-4368-9706-7091C57C676F}" srcOrd="0" destOrd="0" presId="urn:microsoft.com/office/officeart/2008/layout/LinedList"/>
+    <dgm:cxn modelId="{219D1123-AEF5-426A-A0DF-A53424716E1F}" srcId="{E721CFF6-F5DA-4C84-96E8-E6869F5D9A72}" destId="{988E2471-8E50-4FD9-B835-B8F5F91943AB}" srcOrd="2" destOrd="0" parTransId="{96D9BF4A-A2F7-4139-A6A2-6E4557567322}" sibTransId="{EA4CD0F0-9E69-4C56-8C80-7C0168764228}"/>
+    <dgm:cxn modelId="{501D4334-311B-453D-A0D7-914E5D1BB4BB}" srcId="{E721CFF6-F5DA-4C84-96E8-E6869F5D9A72}" destId="{77164FD3-9F49-4EA9-98E6-C7BC2137B4B1}" srcOrd="1" destOrd="0" parTransId="{32C7AC37-8CFC-4402-B165-67874806FED0}" sibTransId="{7EB477EE-FE4E-409D-A902-F5CD0AA979EA}"/>
+    <dgm:cxn modelId="{24C9731C-5E79-4395-A6D2-F25F44C66CD3}" type="presOf" srcId="{988E2471-8E50-4FD9-B835-B8F5F91943AB}" destId="{6D944198-004B-493E-AB32-D606E61829B8}" srcOrd="0" destOrd="0" presId="urn:microsoft.com/office/officeart/2008/layout/LinedList"/>
+    <dgm:cxn modelId="{B15CA486-5498-4B3D-9F3C-138DCBCC9310}" srcId="{44A1DE08-FB63-4329-90BF-7823D175BC1E}" destId="{E721CFF6-F5DA-4C84-96E8-E6869F5D9A72}" srcOrd="0" destOrd="0" parTransId="{7A70569B-3BB2-4904-A000-6CCD152103E8}" sibTransId="{46164CA9-E624-42F9-BAA5-0D1B4B6D2EC5}"/>
+    <dgm:cxn modelId="{A587061A-C5D8-4761-AE38-3478C4982DA8}" type="presOf" srcId="{77164FD3-9F49-4EA9-98E6-C7BC2137B4B1}" destId="{96B51C0D-7E42-434A-8339-F812C4AC2E96}" srcOrd="0" destOrd="0" presId="urn:microsoft.com/office/officeart/2008/layout/LinedList"/>
+    <dgm:cxn modelId="{CA759E7F-66AE-465E-A846-6B2C8881A255}" srcId="{E721CFF6-F5DA-4C84-96E8-E6869F5D9A72}" destId="{C062E97C-F934-44BB-8579-F9B554401582}" srcOrd="5" destOrd="0" parTransId="{64E54EA2-0CBD-40C7-A761-17CAEEC26F18}" sibTransId="{AB9D5C7A-1FB6-4AFD-B4E5-5DA8E20A5E21}"/>
+    <dgm:cxn modelId="{D2B56790-3A47-474F-AE02-0F4DDD56BD23}" type="presOf" srcId="{C062E97C-F934-44BB-8579-F9B554401582}" destId="{93D5975A-9A0B-451C-9D37-306340208A2F}" srcOrd="0" destOrd="0" presId="urn:microsoft.com/office/officeart/2008/layout/LinedList"/>
+    <dgm:cxn modelId="{5852A184-8F49-4767-927C-4CAB75CD7887}" srcId="{E721CFF6-F5DA-4C84-96E8-E6869F5D9A72}" destId="{60AC162E-7709-4543-9382-0AB390A2202F}" srcOrd="6" destOrd="0" parTransId="{CA85B955-01DA-44B2-86CE-39DDD3502ADE}" sibTransId="{998CD6A2-8BC1-4FCF-AA79-DDCCA6244029}"/>
+    <dgm:cxn modelId="{4DB52697-A2A7-4158-97E6-89131A77B49D}" type="presOf" srcId="{44A1DE08-FB63-4329-90BF-7823D175BC1E}" destId="{ABB419EF-DA8B-4BFA-BF1E-925B1321E7E2}" srcOrd="0" destOrd="0" presId="urn:microsoft.com/office/officeart/2008/layout/LinedList"/>
+    <dgm:cxn modelId="{C439BEF7-4A42-4BAC-9635-FAA8D7BA8BFC}" type="presOf" srcId="{E721CFF6-F5DA-4C84-96E8-E6869F5D9A72}" destId="{3BEF68D0-D17D-46BC-86E8-FB68A8C93665}" srcOrd="0" destOrd="0" presId="urn:microsoft.com/office/officeart/2008/layout/LinedList"/>
     <dgm:cxn modelId="{DB5A4F5B-46BE-41EC-9B54-909565D2202C}" type="presOf" srcId="{2763F3B8-D354-4513-A2A5-1ACC91F2D733}" destId="{4D8A79E5-E948-4FBA-96D5-1C6CC280B61E}" srcOrd="0" destOrd="0" presId="urn:microsoft.com/office/officeart/2008/layout/LinedList"/>
-    <dgm:cxn modelId="{BC9C0B93-D0D0-49EE-A5E6-1494291AB6AE}" srcId="{E721CFF6-F5DA-4C84-96E8-E6869F5D9A72}" destId="{93C4C77B-D590-4C38-9342-DB9089CDF074}" srcOrd="0" destOrd="0" parTransId="{87F3107C-78CE-4266-B957-A03DD37ED2EC}" sibTransId="{22B8F299-92FD-4E99-9C1D-6B04907D01DE}"/>
-    <dgm:cxn modelId="{D2B56790-3A47-474F-AE02-0F4DDD56BD23}" type="presOf" srcId="{C062E97C-F934-44BB-8579-F9B554401582}" destId="{93D5975A-9A0B-451C-9D37-306340208A2F}" srcOrd="0" destOrd="0" presId="urn:microsoft.com/office/officeart/2008/layout/LinedList"/>
-    <dgm:cxn modelId="{219D1123-AEF5-426A-A0DF-A53424716E1F}" srcId="{E721CFF6-F5DA-4C84-96E8-E6869F5D9A72}" destId="{988E2471-8E50-4FD9-B835-B8F5F91943AB}" srcOrd="2" destOrd="0" parTransId="{96D9BF4A-A2F7-4139-A6A2-6E4557567322}" sibTransId="{EA4CD0F0-9E69-4C56-8C80-7C0168764228}"/>
+    <dgm:cxn modelId="{FC67AADC-7294-4BBA-9E63-7449683EB2CE}" srcId="{E721CFF6-F5DA-4C84-96E8-E6869F5D9A72}" destId="{828B2E6E-F803-4A64-BF50-2E9FDB4E1DEA}" srcOrd="4" destOrd="0" parTransId="{61E92328-2C35-4F83-9936-DEA603CF1478}" sibTransId="{15D6D97E-DA23-4A74-A520-4BC0DAB41982}"/>
     <dgm:cxn modelId="{D412BAB7-AD78-4C7F-8F7D-2830E9157EFB}" type="presOf" srcId="{93C4C77B-D590-4C38-9342-DB9089CDF074}" destId="{DEAD70E7-FE25-49F0-BA74-B1A786880FAD}" srcOrd="0" destOrd="0" presId="urn:microsoft.com/office/officeart/2008/layout/LinedList"/>
-    <dgm:cxn modelId="{4DB52697-A2A7-4158-97E6-89131A77B49D}" type="presOf" srcId="{44A1DE08-FB63-4329-90BF-7823D175BC1E}" destId="{ABB419EF-DA8B-4BFA-BF1E-925B1321E7E2}" srcOrd="0" destOrd="0" presId="urn:microsoft.com/office/officeart/2008/layout/LinedList"/>
     <dgm:cxn modelId="{0FA209AC-4AD3-4EA8-8862-47D0E7B332F2}" type="presOf" srcId="{60AC162E-7709-4543-9382-0AB390A2202F}" destId="{B3EE5CF6-D6CF-427E-880B-0F02D3CB2444}" srcOrd="0" destOrd="0" presId="urn:microsoft.com/office/officeart/2008/layout/LinedList"/>
-    <dgm:cxn modelId="{501D4334-311B-453D-A0D7-914E5D1BB4BB}" srcId="{E721CFF6-F5DA-4C84-96E8-E6869F5D9A72}" destId="{77164FD3-9F49-4EA9-98E6-C7BC2137B4B1}" srcOrd="1" destOrd="0" parTransId="{32C7AC37-8CFC-4402-B165-67874806FED0}" sibTransId="{7EB477EE-FE4E-409D-A902-F5CD0AA979EA}"/>
-    <dgm:cxn modelId="{CA759E7F-66AE-465E-A846-6B2C8881A255}" srcId="{E721CFF6-F5DA-4C84-96E8-E6869F5D9A72}" destId="{C062E97C-F934-44BB-8579-F9B554401582}" srcOrd="5" destOrd="0" parTransId="{64E54EA2-0CBD-40C7-A761-17CAEEC26F18}" sibTransId="{AB9D5C7A-1FB6-4AFD-B4E5-5DA8E20A5E21}"/>
-    <dgm:cxn modelId="{24C9731C-5E79-4395-A6D2-F25F44C66CD3}" type="presOf" srcId="{988E2471-8E50-4FD9-B835-B8F5F91943AB}" destId="{6D944198-004B-493E-AB32-D606E61829B8}" srcOrd="0" destOrd="0" presId="urn:microsoft.com/office/officeart/2008/layout/LinedList"/>
-    <dgm:cxn modelId="{C439BEF7-4A42-4BAC-9635-FAA8D7BA8BFC}" type="presOf" srcId="{E721CFF6-F5DA-4C84-96E8-E6869F5D9A72}" destId="{3BEF68D0-D17D-46BC-86E8-FB68A8C93665}" srcOrd="0" destOrd="0" presId="urn:microsoft.com/office/officeart/2008/layout/LinedList"/>
-    <dgm:cxn modelId="{B15CA486-5498-4B3D-9F3C-138DCBCC9310}" srcId="{44A1DE08-FB63-4329-90BF-7823D175BC1E}" destId="{E721CFF6-F5DA-4C84-96E8-E6869F5D9A72}" srcOrd="0" destOrd="0" parTransId="{7A70569B-3BB2-4904-A000-6CCD152103E8}" sibTransId="{46164CA9-E624-42F9-BAA5-0D1B4B6D2EC5}"/>
-    <dgm:cxn modelId="{5852A184-8F49-4767-927C-4CAB75CD7887}" srcId="{E721CFF6-F5DA-4C84-96E8-E6869F5D9A72}" destId="{60AC162E-7709-4543-9382-0AB390A2202F}" srcOrd="6" destOrd="0" parTransId="{CA85B955-01DA-44B2-86CE-39DDD3502ADE}" sibTransId="{998CD6A2-8BC1-4FCF-AA79-DDCCA6244029}"/>
-    <dgm:cxn modelId="{6E8A2461-093A-438B-B752-EB4F414855A9}" srcId="{E721CFF6-F5DA-4C84-96E8-E6869F5D9A72}" destId="{2763F3B8-D354-4513-A2A5-1ACC91F2D733}" srcOrd="3" destOrd="0" parTransId="{B3350334-656E-4F4E-B301-603334E19C52}" sibTransId="{66B70017-53FF-40EC-9C94-E10D7F063EEF}"/>
-    <dgm:cxn modelId="{FC67AADC-7294-4BBA-9E63-7449683EB2CE}" srcId="{E721CFF6-F5DA-4C84-96E8-E6869F5D9A72}" destId="{828B2E6E-F803-4A64-BF50-2E9FDB4E1DEA}" srcOrd="4" destOrd="0" parTransId="{61E92328-2C35-4F83-9936-DEA603CF1478}" sibTransId="{15D6D97E-DA23-4A74-A520-4BC0DAB41982}"/>
-    <dgm:cxn modelId="{A587061A-C5D8-4761-AE38-3478C4982DA8}" type="presOf" srcId="{77164FD3-9F49-4EA9-98E6-C7BC2137B4B1}" destId="{96B51C0D-7E42-434A-8339-F812C4AC2E96}" srcOrd="0" destOrd="0" presId="urn:microsoft.com/office/officeart/2008/layout/LinedList"/>
-    <dgm:cxn modelId="{49BB62EA-B427-4A8F-8583-0854F3481C94}" type="presOf" srcId="{828B2E6E-F803-4A64-BF50-2E9FDB4E1DEA}" destId="{B8BF9229-CCB5-4368-9706-7091C57C676F}" srcOrd="0" destOrd="0" presId="urn:microsoft.com/office/officeart/2008/layout/LinedList"/>
     <dgm:cxn modelId="{D929D9D5-6237-4B6D-9DC4-3B869F5D1635}" type="presParOf" srcId="{ABB419EF-DA8B-4BFA-BF1E-925B1321E7E2}" destId="{91F1FE8E-ADD1-4885-AC53-0C6F73C097C6}" srcOrd="0" destOrd="0" presId="urn:microsoft.com/office/officeart/2008/layout/LinedList"/>
     <dgm:cxn modelId="{5943A963-23FC-4A15-8AB4-CC33C8819691}" type="presParOf" srcId="{ABB419EF-DA8B-4BFA-BF1E-925B1321E7E2}" destId="{A4C882E0-C26E-4151-B697-F29CA6638CF9}" srcOrd="1" destOrd="0" presId="urn:microsoft.com/office/officeart/2008/layout/LinedList"/>
     <dgm:cxn modelId="{97D5B4DE-FF89-41AB-8A49-BD5D8FE864AF}" type="presParOf" srcId="{A4C882E0-C26E-4151-B697-F29CA6638CF9}" destId="{3BEF68D0-D17D-46BC-86E8-FB68A8C93665}" srcOrd="0" destOrd="0" presId="urn:microsoft.com/office/officeart/2008/layout/LinedList"/>
@@ -10648,23 +10648,23 @@
     </dgm:pt>
   </dgm:ptLst>
   <dgm:cxnLst>
+    <dgm:cxn modelId="{0FA209AC-4AD3-4EA8-8862-47D0E7B332F2}" type="presOf" srcId="{60AC162E-7709-4543-9382-0AB390A2202F}" destId="{B3EE5CF6-D6CF-427E-880B-0F02D3CB2444}" srcOrd="0" destOrd="0" presId="urn:microsoft.com/office/officeart/2008/layout/LinedList"/>
+    <dgm:cxn modelId="{A587061A-C5D8-4761-AE38-3478C4982DA8}" type="presOf" srcId="{77164FD3-9F49-4EA9-98E6-C7BC2137B4B1}" destId="{96B51C0D-7E42-434A-8339-F812C4AC2E96}" srcOrd="0" destOrd="0" presId="urn:microsoft.com/office/officeart/2008/layout/LinedList"/>
+    <dgm:cxn modelId="{D2B56790-3A47-474F-AE02-0F4DDD56BD23}" type="presOf" srcId="{C062E97C-F934-44BB-8579-F9B554401582}" destId="{93D5975A-9A0B-451C-9D37-306340208A2F}" srcOrd="0" destOrd="0" presId="urn:microsoft.com/office/officeart/2008/layout/LinedList"/>
+    <dgm:cxn modelId="{B15CA486-5498-4B3D-9F3C-138DCBCC9310}" srcId="{44A1DE08-FB63-4329-90BF-7823D175BC1E}" destId="{E721CFF6-F5DA-4C84-96E8-E6869F5D9A72}" srcOrd="0" destOrd="0" parTransId="{7A70569B-3BB2-4904-A000-6CCD152103E8}" sibTransId="{46164CA9-E624-42F9-BAA5-0D1B4B6D2EC5}"/>
+    <dgm:cxn modelId="{CA759E7F-66AE-465E-A846-6B2C8881A255}" srcId="{E721CFF6-F5DA-4C84-96E8-E6869F5D9A72}" destId="{C062E97C-F934-44BB-8579-F9B554401582}" srcOrd="5" destOrd="0" parTransId="{64E54EA2-0CBD-40C7-A761-17CAEEC26F18}" sibTransId="{AB9D5C7A-1FB6-4AFD-B4E5-5DA8E20A5E21}"/>
+    <dgm:cxn modelId="{C439BEF7-4A42-4BAC-9635-FAA8D7BA8BFC}" type="presOf" srcId="{E721CFF6-F5DA-4C84-96E8-E6869F5D9A72}" destId="{3BEF68D0-D17D-46BC-86E8-FB68A8C93665}" srcOrd="0" destOrd="0" presId="urn:microsoft.com/office/officeart/2008/layout/LinedList"/>
     <dgm:cxn modelId="{6E8A2461-093A-438B-B752-EB4F414855A9}" srcId="{E721CFF6-F5DA-4C84-96E8-E6869F5D9A72}" destId="{2763F3B8-D354-4513-A2A5-1ACC91F2D733}" srcOrd="3" destOrd="0" parTransId="{B3350334-656E-4F4E-B301-603334E19C52}" sibTransId="{66B70017-53FF-40EC-9C94-E10D7F063EEF}"/>
+    <dgm:cxn modelId="{FC67AADC-7294-4BBA-9E63-7449683EB2CE}" srcId="{E721CFF6-F5DA-4C84-96E8-E6869F5D9A72}" destId="{828B2E6E-F803-4A64-BF50-2E9FDB4E1DEA}" srcOrd="4" destOrd="0" parTransId="{61E92328-2C35-4F83-9936-DEA603CF1478}" sibTransId="{15D6D97E-DA23-4A74-A520-4BC0DAB41982}"/>
+    <dgm:cxn modelId="{5852A184-8F49-4767-927C-4CAB75CD7887}" srcId="{E721CFF6-F5DA-4C84-96E8-E6869F5D9A72}" destId="{60AC162E-7709-4543-9382-0AB390A2202F}" srcOrd="6" destOrd="0" parTransId="{CA85B955-01DA-44B2-86CE-39DDD3502ADE}" sibTransId="{998CD6A2-8BC1-4FCF-AA79-DDCCA6244029}"/>
+    <dgm:cxn modelId="{49BB62EA-B427-4A8F-8583-0854F3481C94}" type="presOf" srcId="{828B2E6E-F803-4A64-BF50-2E9FDB4E1DEA}" destId="{B8BF9229-CCB5-4368-9706-7091C57C676F}" srcOrd="0" destOrd="0" presId="urn:microsoft.com/office/officeart/2008/layout/LinedList"/>
+    <dgm:cxn modelId="{D412BAB7-AD78-4C7F-8F7D-2830E9157EFB}" type="presOf" srcId="{93C4C77B-D590-4C38-9342-DB9089CDF074}" destId="{DEAD70E7-FE25-49F0-BA74-B1A786880FAD}" srcOrd="0" destOrd="0" presId="urn:microsoft.com/office/officeart/2008/layout/LinedList"/>
+    <dgm:cxn modelId="{DB5A4F5B-46BE-41EC-9B54-909565D2202C}" type="presOf" srcId="{2763F3B8-D354-4513-A2A5-1ACC91F2D733}" destId="{4D8A79E5-E948-4FBA-96D5-1C6CC280B61E}" srcOrd="0" destOrd="0" presId="urn:microsoft.com/office/officeart/2008/layout/LinedList"/>
+    <dgm:cxn modelId="{501D4334-311B-453D-A0D7-914E5D1BB4BB}" srcId="{E721CFF6-F5DA-4C84-96E8-E6869F5D9A72}" destId="{77164FD3-9F49-4EA9-98E6-C7BC2137B4B1}" srcOrd="1" destOrd="0" parTransId="{32C7AC37-8CFC-4402-B165-67874806FED0}" sibTransId="{7EB477EE-FE4E-409D-A902-F5CD0AA979EA}"/>
     <dgm:cxn modelId="{BC9C0B93-D0D0-49EE-A5E6-1494291AB6AE}" srcId="{E721CFF6-F5DA-4C84-96E8-E6869F5D9A72}" destId="{93C4C77B-D590-4C38-9342-DB9089CDF074}" srcOrd="0" destOrd="0" parTransId="{87F3107C-78CE-4266-B957-A03DD37ED2EC}" sibTransId="{22B8F299-92FD-4E99-9C1D-6B04907D01DE}"/>
-    <dgm:cxn modelId="{49BB62EA-B427-4A8F-8583-0854F3481C94}" type="presOf" srcId="{828B2E6E-F803-4A64-BF50-2E9FDB4E1DEA}" destId="{B8BF9229-CCB5-4368-9706-7091C57C676F}" srcOrd="0" destOrd="0" presId="urn:microsoft.com/office/officeart/2008/layout/LinedList"/>
     <dgm:cxn modelId="{219D1123-AEF5-426A-A0DF-A53424716E1F}" srcId="{E721CFF6-F5DA-4C84-96E8-E6869F5D9A72}" destId="{988E2471-8E50-4FD9-B835-B8F5F91943AB}" srcOrd="2" destOrd="0" parTransId="{96D9BF4A-A2F7-4139-A6A2-6E4557567322}" sibTransId="{EA4CD0F0-9E69-4C56-8C80-7C0168764228}"/>
-    <dgm:cxn modelId="{501D4334-311B-453D-A0D7-914E5D1BB4BB}" srcId="{E721CFF6-F5DA-4C84-96E8-E6869F5D9A72}" destId="{77164FD3-9F49-4EA9-98E6-C7BC2137B4B1}" srcOrd="1" destOrd="0" parTransId="{32C7AC37-8CFC-4402-B165-67874806FED0}" sibTransId="{7EB477EE-FE4E-409D-A902-F5CD0AA979EA}"/>
     <dgm:cxn modelId="{24C9731C-5E79-4395-A6D2-F25F44C66CD3}" type="presOf" srcId="{988E2471-8E50-4FD9-B835-B8F5F91943AB}" destId="{6D944198-004B-493E-AB32-D606E61829B8}" srcOrd="0" destOrd="0" presId="urn:microsoft.com/office/officeart/2008/layout/LinedList"/>
-    <dgm:cxn modelId="{B15CA486-5498-4B3D-9F3C-138DCBCC9310}" srcId="{44A1DE08-FB63-4329-90BF-7823D175BC1E}" destId="{E721CFF6-F5DA-4C84-96E8-E6869F5D9A72}" srcOrd="0" destOrd="0" parTransId="{7A70569B-3BB2-4904-A000-6CCD152103E8}" sibTransId="{46164CA9-E624-42F9-BAA5-0D1B4B6D2EC5}"/>
-    <dgm:cxn modelId="{A587061A-C5D8-4761-AE38-3478C4982DA8}" type="presOf" srcId="{77164FD3-9F49-4EA9-98E6-C7BC2137B4B1}" destId="{96B51C0D-7E42-434A-8339-F812C4AC2E96}" srcOrd="0" destOrd="0" presId="urn:microsoft.com/office/officeart/2008/layout/LinedList"/>
-    <dgm:cxn modelId="{CA759E7F-66AE-465E-A846-6B2C8881A255}" srcId="{E721CFF6-F5DA-4C84-96E8-E6869F5D9A72}" destId="{C062E97C-F934-44BB-8579-F9B554401582}" srcOrd="5" destOrd="0" parTransId="{64E54EA2-0CBD-40C7-A761-17CAEEC26F18}" sibTransId="{AB9D5C7A-1FB6-4AFD-B4E5-5DA8E20A5E21}"/>
-    <dgm:cxn modelId="{D2B56790-3A47-474F-AE02-0F4DDD56BD23}" type="presOf" srcId="{C062E97C-F934-44BB-8579-F9B554401582}" destId="{93D5975A-9A0B-451C-9D37-306340208A2F}" srcOrd="0" destOrd="0" presId="urn:microsoft.com/office/officeart/2008/layout/LinedList"/>
-    <dgm:cxn modelId="{5852A184-8F49-4767-927C-4CAB75CD7887}" srcId="{E721CFF6-F5DA-4C84-96E8-E6869F5D9A72}" destId="{60AC162E-7709-4543-9382-0AB390A2202F}" srcOrd="6" destOrd="0" parTransId="{CA85B955-01DA-44B2-86CE-39DDD3502ADE}" sibTransId="{998CD6A2-8BC1-4FCF-AA79-DDCCA6244029}"/>
     <dgm:cxn modelId="{4DB52697-A2A7-4158-97E6-89131A77B49D}" type="presOf" srcId="{44A1DE08-FB63-4329-90BF-7823D175BC1E}" destId="{ABB419EF-DA8B-4BFA-BF1E-925B1321E7E2}" srcOrd="0" destOrd="0" presId="urn:microsoft.com/office/officeart/2008/layout/LinedList"/>
-    <dgm:cxn modelId="{C439BEF7-4A42-4BAC-9635-FAA8D7BA8BFC}" type="presOf" srcId="{E721CFF6-F5DA-4C84-96E8-E6869F5D9A72}" destId="{3BEF68D0-D17D-46BC-86E8-FB68A8C93665}" srcOrd="0" destOrd="0" presId="urn:microsoft.com/office/officeart/2008/layout/LinedList"/>
-    <dgm:cxn modelId="{DB5A4F5B-46BE-41EC-9B54-909565D2202C}" type="presOf" srcId="{2763F3B8-D354-4513-A2A5-1ACC91F2D733}" destId="{4D8A79E5-E948-4FBA-96D5-1C6CC280B61E}" srcOrd="0" destOrd="0" presId="urn:microsoft.com/office/officeart/2008/layout/LinedList"/>
-    <dgm:cxn modelId="{FC67AADC-7294-4BBA-9E63-7449683EB2CE}" srcId="{E721CFF6-F5DA-4C84-96E8-E6869F5D9A72}" destId="{828B2E6E-F803-4A64-BF50-2E9FDB4E1DEA}" srcOrd="4" destOrd="0" parTransId="{61E92328-2C35-4F83-9936-DEA603CF1478}" sibTransId="{15D6D97E-DA23-4A74-A520-4BC0DAB41982}"/>
-    <dgm:cxn modelId="{D412BAB7-AD78-4C7F-8F7D-2830E9157EFB}" type="presOf" srcId="{93C4C77B-D590-4C38-9342-DB9089CDF074}" destId="{DEAD70E7-FE25-49F0-BA74-B1A786880FAD}" srcOrd="0" destOrd="0" presId="urn:microsoft.com/office/officeart/2008/layout/LinedList"/>
-    <dgm:cxn modelId="{0FA209AC-4AD3-4EA8-8862-47D0E7B332F2}" type="presOf" srcId="{60AC162E-7709-4543-9382-0AB390A2202F}" destId="{B3EE5CF6-D6CF-427E-880B-0F02D3CB2444}" srcOrd="0" destOrd="0" presId="urn:microsoft.com/office/officeart/2008/layout/LinedList"/>
     <dgm:cxn modelId="{D929D9D5-6237-4B6D-9DC4-3B869F5D1635}" type="presParOf" srcId="{ABB419EF-DA8B-4BFA-BF1E-925B1321E7E2}" destId="{91F1FE8E-ADD1-4885-AC53-0C6F73C097C6}" srcOrd="0" destOrd="0" presId="urn:microsoft.com/office/officeart/2008/layout/LinedList"/>
     <dgm:cxn modelId="{5943A963-23FC-4A15-8AB4-CC33C8819691}" type="presParOf" srcId="{ABB419EF-DA8B-4BFA-BF1E-925B1321E7E2}" destId="{A4C882E0-C26E-4151-B697-F29CA6638CF9}" srcOrd="1" destOrd="0" presId="urn:microsoft.com/office/officeart/2008/layout/LinedList"/>
     <dgm:cxn modelId="{97D5B4DE-FF89-41AB-8A49-BD5D8FE864AF}" type="presParOf" srcId="{A4C882E0-C26E-4151-B697-F29CA6638CF9}" destId="{3BEF68D0-D17D-46BC-86E8-FB68A8C93665}" srcOrd="0" destOrd="0" presId="urn:microsoft.com/office/officeart/2008/layout/LinedList"/>
@@ -10851,8 +10851,8 @@
   </dgm:ptLst>
   <dgm:cxnLst>
     <dgm:cxn modelId="{D5E6A23C-4752-41C0-A83E-148402C8BC50}" type="presOf" srcId="{B6455B76-E0DD-4BAF-BDA3-FB611347CC63}" destId="{61819070-F512-4EB2-8F2E-8BB741B32587}" srcOrd="0" destOrd="0" presId="urn:microsoft.com/office/officeart/2005/8/layout/rings+Icon"/>
+    <dgm:cxn modelId="{BFE35E1F-D3A6-4804-9DED-125921CE69EA}" srcId="{D26D24B2-FC21-4986-8EDA-E31E90C55BCE}" destId="{B6455B76-E0DD-4BAF-BDA3-FB611347CC63}" srcOrd="0" destOrd="0" parTransId="{82317D8D-8631-4644-87A3-BA2317D0B6C1}" sibTransId="{58B254BD-6453-43BB-BF99-0C0821E5238A}"/>
     <dgm:cxn modelId="{8239A150-437B-4051-BB72-36F3370DC4B9}" type="presOf" srcId="{FF42DC42-475C-4E00-BB12-DD74C5F8A8D4}" destId="{49C38DEF-36A4-4556-8895-C41FD8591CC5}" srcOrd="0" destOrd="0" presId="urn:microsoft.com/office/officeart/2005/8/layout/rings+Icon"/>
-    <dgm:cxn modelId="{BFE35E1F-D3A6-4804-9DED-125921CE69EA}" srcId="{D26D24B2-FC21-4986-8EDA-E31E90C55BCE}" destId="{B6455B76-E0DD-4BAF-BDA3-FB611347CC63}" srcOrd="0" destOrd="0" parTransId="{82317D8D-8631-4644-87A3-BA2317D0B6C1}" sibTransId="{58B254BD-6453-43BB-BF99-0C0821E5238A}"/>
     <dgm:cxn modelId="{0703DBE5-798A-4700-802F-AF7278CD901D}" srcId="{D26D24B2-FC21-4986-8EDA-E31E90C55BCE}" destId="{FF42DC42-475C-4E00-BB12-DD74C5F8A8D4}" srcOrd="1" destOrd="0" parTransId="{A0596A03-8492-478F-8274-9A73CF624DBB}" sibTransId="{3AAD493B-655C-4EA5-A16B-B901A272C165}"/>
     <dgm:cxn modelId="{0F51CA71-B68B-402E-9E15-DD00B307A0DC}" type="presOf" srcId="{D26D24B2-FC21-4986-8EDA-E31E90C55BCE}" destId="{74220686-5A8B-4542-A94E-CACD1D31A7C1}" srcOrd="0" destOrd="0" presId="urn:microsoft.com/office/officeart/2005/8/layout/rings+Icon"/>
     <dgm:cxn modelId="{7C32F820-58C0-4D7D-8BD7-9BDEC6643365}" type="presParOf" srcId="{74220686-5A8B-4542-A94E-CACD1D31A7C1}" destId="{61819070-F512-4EB2-8F2E-8BB741B32587}" srcOrd="0" destOrd="0" presId="urn:microsoft.com/office/officeart/2005/8/layout/rings+Icon"/>
@@ -38427,11 +38427,7 @@
             </a:r>
             <a:r>
               <a:rPr lang="en-US" sz="2000" dirty="0" smtClean="0"/>
-              <a:t>R-type, </a:t>
-            </a:r>
-            <a:r>
-              <a:rPr lang="en-US" sz="2000" dirty="0" smtClean="0"/>
-              <a:t>some of D-type </a:t>
+              <a:t>R-type, some of D-type </a:t>
             </a:r>
             <a:r>
               <a:rPr lang="en-US" sz="2000" dirty="0"/>
@@ -38935,11 +38931,7 @@
             <a:pPr lvl="1"/>
             <a:r>
               <a:rPr lang="en-US" sz="3000" dirty="0" smtClean="0"/>
-              <a:t>Green LEDs (LEDG</a:t>
-            </a:r>
-            <a:r>
-              <a:rPr lang="en-US" sz="3000" dirty="0" smtClean="0"/>
-              <a:t>)</a:t>
+              <a:t>Green LEDs (LEDG)</a:t>
             </a:r>
           </a:p>
           <a:p>
@@ -38948,7 +38940,6 @@
               <a:rPr lang="en-US" sz="3000" dirty="0" smtClean="0"/>
               <a:t>Hex0</a:t>
             </a:r>
-            <a:endParaRPr lang="en-US" sz="3000" dirty="0" smtClean="0"/>
           </a:p>
           <a:p>
             <a:pPr lvl="0"/>
@@ -39399,17 +39390,12 @@
               <a:rPr lang="en-US" sz="3200" dirty="0" smtClean="0"/>
               <a:t>Hex1, Hex2, </a:t>
             </a:r>
-            <a:endParaRPr lang="en-US" sz="3200" dirty="0" smtClean="0"/>
           </a:p>
           <a:p>
             <a:pPr lvl="1"/>
             <a:r>
               <a:rPr lang="en-US" sz="3200" dirty="0" smtClean="0"/>
-              <a:t>Red </a:t>
-            </a:r>
-            <a:r>
-              <a:rPr lang="en-US" sz="3200" dirty="0" smtClean="0"/>
-              <a:t>LEDs (LEDR)</a:t>
+              <a:t>Red LEDs (LEDR)</a:t>
             </a:r>
           </a:p>
           <a:p>
@@ -39917,14 +39903,15 @@
             <a:pPr lvl="0"/>
             <a:r>
               <a:rPr lang="en-US" sz="2800" dirty="0" smtClean="0"/>
-              <a:t>Develop Presentation</a:t>
-            </a:r>
-          </a:p>
-          <a:p>
-            <a:pPr lvl="1"/>
-            <a:r>
-              <a:rPr lang="en-US" sz="2600" dirty="0" smtClean="0"/>
-              <a:t>Demonstration?</a:t>
+              <a:t>Develop </a:t>
+            </a:r>
+            <a:r>
+              <a:rPr lang="en-US" sz="2800" dirty="0" smtClean="0"/>
+              <a:t>Presentation </a:t>
+            </a:r>
+            <a:r>
+              <a:rPr lang="en-US" sz="2800" smtClean="0"/>
+              <a:t>&amp; Demonstration</a:t>
             </a:r>
             <a:endParaRPr lang="en-US" sz="2600" dirty="0"/>
           </a:p>
@@ -40318,7 +40305,15 @@
             <a:pPr lvl="1"/>
             <a:r>
               <a:rPr lang="en-US" sz="1800" dirty="0" smtClean="0"/>
-              <a:t>Immediate value for ALU different from and IAG (</a:t>
+              <a:t>Immediate value for ALU different from </a:t>
+            </a:r>
+            <a:r>
+              <a:rPr lang="en-US" sz="1800" dirty="0" smtClean="0"/>
+              <a:t>IAG </a:t>
+            </a:r>
+            <a:r>
+              <a:rPr lang="en-US" sz="1800" dirty="0" smtClean="0"/>
+              <a:t>(</a:t>
             </a:r>
             <a:r>
               <a:rPr lang="en-US" sz="1800" dirty="0" err="1" smtClean="0"/>
